--- a/Preview教學/Colab教學.pptx
+++ b/Preview教學/Colab教學.pptx
@@ -5,8 +5,11 @@
     <p:sldMasterId id="2147483648" r:id="rId1"/>
   </p:sldMasterIdLst>
   <p:notesMasterIdLst>
-    <p:notesMasterId r:id="rId20"/>
+    <p:notesMasterId r:id="rId24"/>
   </p:notesMasterIdLst>
+  <p:handoutMasterIdLst>
+    <p:handoutMasterId r:id="rId25"/>
+  </p:handoutMasterIdLst>
   <p:sldIdLst>
     <p:sldId id="386" r:id="rId2"/>
     <p:sldId id="399" r:id="rId3"/>
@@ -24,8 +27,12 @@
     <p:sldId id="411" r:id="rId15"/>
     <p:sldId id="412" r:id="rId16"/>
     <p:sldId id="413" r:id="rId17"/>
-    <p:sldId id="397" r:id="rId18"/>
-    <p:sldId id="352" r:id="rId19"/>
+    <p:sldId id="414" r:id="rId18"/>
+    <p:sldId id="415" r:id="rId19"/>
+    <p:sldId id="416" r:id="rId20"/>
+    <p:sldId id="417" r:id="rId21"/>
+    <p:sldId id="418" r:id="rId22"/>
+    <p:sldId id="352" r:id="rId23"/>
   </p:sldIdLst>
   <p:sldSz cx="12192000" cy="6858000"/>
   <p:notesSz cx="6858000" cy="9144000"/>
@@ -263,10 +270,199 @@
       <p15:sldGuideLst xmlns:p15="http://schemas.microsoft.com/office/powerpoint/2012/main"/>
     </p:ext>
     <p:ext uri="http://customooxmlschemas.google.com/">
-      <go:slidesCustomData xmlns:go="http://customooxmlschemas.google.com/" xmlns:p15="http://schemas.microsoft.com/office/powerpoint/2012/main" xmlns:p14="http://schemas.microsoft.com/office/powerpoint/2010/main" xmlns:com="http://schemas.openxmlformats.org/drawingml/2006/compatibility" xmlns:pvml="urn:schemas-microsoft-com:office:powerpoint" xmlns:v="urn:schemas-microsoft-com:vml" xmlns:o="urn:schemas-microsoft-com:office:office" xmlns:dgm="http://schemas.openxmlformats.org/drawingml/2006/diagram" xmlns:c="http://schemas.openxmlformats.org/drawingml/2006/chart" xmlns:mv="urn:schemas-microsoft-com:mac:vml" xmlns:mc="http://schemas.openxmlformats.org/markup-compatibility/2006" xmlns="" r:id="rId109" roundtripDataSignature="AMtx7mig7ji2cih9fJrL5j+1LxMiJTPNag=="/>
+      <go:slidesCustomData xmlns="" xmlns:mc="http://schemas.openxmlformats.org/markup-compatibility/2006" xmlns:mv="urn:schemas-microsoft-com:mac:vml" xmlns:c="http://schemas.openxmlformats.org/drawingml/2006/chart" xmlns:dgm="http://schemas.openxmlformats.org/drawingml/2006/diagram" xmlns:o="urn:schemas-microsoft-com:office:office" xmlns:v="urn:schemas-microsoft-com:vml" xmlns:pvml="urn:schemas-microsoft-com:office:powerpoint" xmlns:com="http://schemas.openxmlformats.org/drawingml/2006/compatibility" xmlns:p14="http://schemas.microsoft.com/office/powerpoint/2010/main" xmlns:p15="http://schemas.microsoft.com/office/powerpoint/2012/main" xmlns:go="http://customooxmlschemas.google.com/" r:id="rId109" roundtripDataSignature="AMtx7mig7ji2cih9fJrL5j+1LxMiJTPNag=="/>
     </p:ext>
   </p:extLst>
 </p:presentation>
+</file>
+
+<file path=ppt/handoutMasters/handoutMaster1.xml><?xml version="1.0" encoding="utf-8"?>
+<p:handoutMaster xmlns:a="http://schemas.openxmlformats.org/drawingml/2006/main" xmlns:r="http://schemas.openxmlformats.org/officeDocument/2006/relationships" xmlns:p="http://schemas.openxmlformats.org/presentationml/2006/main">
+  <p:cSld>
+    <p:bg>
+      <p:bgRef idx="1001">
+        <a:schemeClr val="bg1"/>
+      </p:bgRef>
+    </p:bg>
+    <p:spTree>
+      <p:nvGrpSpPr>
+        <p:cNvPr id="1" name=""/>
+        <p:cNvGrpSpPr/>
+        <p:nvPr/>
+      </p:nvGrpSpPr>
+      <p:grpSpPr>
+        <a:xfrm>
+          <a:off x="0" y="0"/>
+          <a:ext cx="0" cy="0"/>
+          <a:chOff x="0" y="0"/>
+          <a:chExt cx="0" cy="0"/>
+        </a:xfrm>
+      </p:grpSpPr>
+      <p:sp>
+        <p:nvSpPr>
+          <p:cNvPr id="2" name="頁首版面配置區 1">
+            <a:extLst>
+              <a:ext uri="{FF2B5EF4-FFF2-40B4-BE49-F238E27FC236}">
+                <a16:creationId xmlns:a16="http://schemas.microsoft.com/office/drawing/2014/main" id="{B05BB478-2BF9-C554-0F7F-63F1E61DF1A4}"/>
+              </a:ext>
+            </a:extLst>
+          </p:cNvPr>
+          <p:cNvSpPr>
+            <a:spLocks noGrp="1"/>
+          </p:cNvSpPr>
+          <p:nvPr>
+            <p:ph type="hdr" sz="quarter"/>
+          </p:nvPr>
+        </p:nvSpPr>
+        <p:spPr>
+          <a:xfrm>
+            <a:off x="0" y="0"/>
+            <a:ext cx="2971800" cy="458788"/>
+          </a:xfrm>
+          <a:prstGeom prst="rect">
+            <a:avLst/>
+          </a:prstGeom>
+        </p:spPr>
+        <p:txBody>
+          <a:bodyPr vert="horz" lIns="91440" tIns="45720" rIns="91440" bIns="45720" rtlCol="0"/>
+          <a:lstStyle>
+            <a:lvl1pPr algn="l">
+              <a:defRPr sz="1200"/>
+            </a:lvl1pPr>
+          </a:lstStyle>
+          <a:p>
+            <a:endParaRPr lang="en-US"/>
+          </a:p>
+        </p:txBody>
+      </p:sp>
+      <p:sp>
+        <p:nvSpPr>
+          <p:cNvPr id="3" name="日期版面配置區 2">
+            <a:extLst>
+              <a:ext uri="{FF2B5EF4-FFF2-40B4-BE49-F238E27FC236}">
+                <a16:creationId xmlns:a16="http://schemas.microsoft.com/office/drawing/2014/main" id="{1EED6F11-56A0-7A50-BBCE-A1FEB4BAC072}"/>
+              </a:ext>
+            </a:extLst>
+          </p:cNvPr>
+          <p:cNvSpPr>
+            <a:spLocks noGrp="1"/>
+          </p:cNvSpPr>
+          <p:nvPr>
+            <p:ph type="dt" sz="quarter" idx="1"/>
+          </p:nvPr>
+        </p:nvSpPr>
+        <p:spPr>
+          <a:xfrm>
+            <a:off x="3884613" y="0"/>
+            <a:ext cx="2971800" cy="458788"/>
+          </a:xfrm>
+          <a:prstGeom prst="rect">
+            <a:avLst/>
+          </a:prstGeom>
+        </p:spPr>
+        <p:txBody>
+          <a:bodyPr vert="horz" lIns="91440" tIns="45720" rIns="91440" bIns="45720" rtlCol="0"/>
+          <a:lstStyle>
+            <a:lvl1pPr algn="r">
+              <a:defRPr sz="1200"/>
+            </a:lvl1pPr>
+          </a:lstStyle>
+          <a:p>
+            <a:fld id="{10B626F9-DB8F-468E-9C5E-C2741EB55B26}" type="datetimeFigureOut">
+              <a:rPr lang="en-US" smtClean="0"/>
+              <a:t>7/14/2022</a:t>
+            </a:fld>
+            <a:endParaRPr lang="en-US"/>
+          </a:p>
+        </p:txBody>
+      </p:sp>
+      <p:sp>
+        <p:nvSpPr>
+          <p:cNvPr id="4" name="頁尾版面配置區 3">
+            <a:extLst>
+              <a:ext uri="{FF2B5EF4-FFF2-40B4-BE49-F238E27FC236}">
+                <a16:creationId xmlns:a16="http://schemas.microsoft.com/office/drawing/2014/main" id="{CF23970A-2B97-28D8-B6DD-C02751A7359D}"/>
+              </a:ext>
+            </a:extLst>
+          </p:cNvPr>
+          <p:cNvSpPr>
+            <a:spLocks noGrp="1"/>
+          </p:cNvSpPr>
+          <p:nvPr>
+            <p:ph type="ftr" sz="quarter" idx="2"/>
+          </p:nvPr>
+        </p:nvSpPr>
+        <p:spPr>
+          <a:xfrm>
+            <a:off x="0" y="8685213"/>
+            <a:ext cx="2971800" cy="458787"/>
+          </a:xfrm>
+          <a:prstGeom prst="rect">
+            <a:avLst/>
+          </a:prstGeom>
+        </p:spPr>
+        <p:txBody>
+          <a:bodyPr vert="horz" lIns="91440" tIns="45720" rIns="91440" bIns="45720" rtlCol="0" anchor="b"/>
+          <a:lstStyle>
+            <a:lvl1pPr algn="l">
+              <a:defRPr sz="1200"/>
+            </a:lvl1pPr>
+          </a:lstStyle>
+          <a:p>
+            <a:endParaRPr lang="en-US"/>
+          </a:p>
+        </p:txBody>
+      </p:sp>
+      <p:sp>
+        <p:nvSpPr>
+          <p:cNvPr id="5" name="投影片編號版面配置區 4">
+            <a:extLst>
+              <a:ext uri="{FF2B5EF4-FFF2-40B4-BE49-F238E27FC236}">
+                <a16:creationId xmlns:a16="http://schemas.microsoft.com/office/drawing/2014/main" id="{D0E014FA-A649-C433-5A0F-525A3FE3647A}"/>
+              </a:ext>
+            </a:extLst>
+          </p:cNvPr>
+          <p:cNvSpPr>
+            <a:spLocks noGrp="1"/>
+          </p:cNvSpPr>
+          <p:nvPr>
+            <p:ph type="sldNum" sz="quarter" idx="3"/>
+          </p:nvPr>
+        </p:nvSpPr>
+        <p:spPr>
+          <a:xfrm>
+            <a:off x="3884613" y="8685213"/>
+            <a:ext cx="2971800" cy="458787"/>
+          </a:xfrm>
+          <a:prstGeom prst="rect">
+            <a:avLst/>
+          </a:prstGeom>
+        </p:spPr>
+        <p:txBody>
+          <a:bodyPr vert="horz" lIns="91440" tIns="45720" rIns="91440" bIns="45720" rtlCol="0" anchor="b"/>
+          <a:lstStyle>
+            <a:lvl1pPr algn="r">
+              <a:defRPr sz="1200"/>
+            </a:lvl1pPr>
+          </a:lstStyle>
+          <a:p>
+            <a:fld id="{623A0492-7752-441F-9069-725C108C3B22}" type="slidenum">
+              <a:rPr lang="en-US" smtClean="0"/>
+              <a:t>‹#›</a:t>
+            </a:fld>
+            <a:endParaRPr lang="en-US"/>
+          </a:p>
+        </p:txBody>
+      </p:sp>
+    </p:spTree>
+    <p:extLst>
+      <p:ext uri="{BB962C8B-B14F-4D97-AF65-F5344CB8AC3E}">
+        <p14:creationId xmlns:p14="http://schemas.microsoft.com/office/powerpoint/2010/main" val="893826991"/>
+      </p:ext>
+    </p:extLst>
+  </p:cSld>
+  <p:clrMap bg1="lt1" tx1="dk1" bg2="lt2" tx2="dk2" accent1="accent1" accent2="accent2" accent3="accent3" accent4="accent4" accent5="accent5" accent6="accent6" hlink="hlink" folHlink="folHlink"/>
+</p:handoutMaster>
 </file>
 
 <file path=ppt/notesMasters/notesMaster1.xml><?xml version="1.0" encoding="utf-8"?>
@@ -3347,7 +3543,7 @@
             </a:lvl9pPr>
           </a:lstStyle>
           <a:p>
-            <a:endParaRPr/>
+            <a:endParaRPr dirty="0"/>
           </a:p>
         </p:txBody>
       </p:sp>
@@ -3687,6 +3883,42 @@
           </a:p>
         </p:txBody>
       </p:sp>
+      <p:pic>
+        <p:nvPicPr>
+          <p:cNvPr id="7" name="圖片 6">
+            <a:extLst>
+              <a:ext uri="{FF2B5EF4-FFF2-40B4-BE49-F238E27FC236}">
+                <a16:creationId xmlns:a16="http://schemas.microsoft.com/office/drawing/2014/main" id="{D0B159E0-A149-E4EE-2F7A-8E3CD473FF2E}"/>
+              </a:ext>
+            </a:extLst>
+          </p:cNvPr>
+          <p:cNvPicPr>
+            <a:picLocks noChangeAspect="1"/>
+          </p:cNvPicPr>
+          <p:nvPr userDrawn="1"/>
+        </p:nvPicPr>
+        <p:blipFill>
+          <a:blip r:embed="rId2">
+            <a:extLst>
+              <a:ext uri="{28A0092B-C50C-407E-A947-70E740481C1C}">
+                <a14:useLocalDpi xmlns:a14="http://schemas.microsoft.com/office/drawing/2010/main"/>
+              </a:ext>
+            </a:extLst>
+          </a:blip>
+          <a:stretch>
+            <a:fillRect/>
+          </a:stretch>
+        </p:blipFill>
+        <p:spPr>
+          <a:xfrm>
+            <a:off x="10299939" y="6492875"/>
+            <a:ext cx="1794295" cy="277755"/>
+          </a:xfrm>
+          <a:prstGeom prst="rect">
+            <a:avLst/>
+          </a:prstGeom>
+        </p:spPr>
+      </p:pic>
     </p:spTree>
   </p:cSld>
   <p:clrMapOvr>
@@ -9868,7 +10100,7 @@
               <a:t>查看是否可使用</a:t>
             </a:r>
             <a:r>
-              <a:rPr lang="en-US" altLang="zh-TW" sz="4400" dirty="0" err="1">
+              <a:rPr lang="en-US" altLang="zh-TW" sz="4400" dirty="0">
                 <a:solidFill>
                   <a:schemeClr val="bg1"/>
                 </a:solidFill>
@@ -10365,10 +10597,39 @@
       </p:grpSpPr>
       <p:sp>
         <p:nvSpPr>
-          <p:cNvPr id="2" name="文字版面配置區 1">
+          <p:cNvPr id="2" name="標題 1">
             <a:extLst>
               <a:ext uri="{FF2B5EF4-FFF2-40B4-BE49-F238E27FC236}">
-                <a16:creationId xmlns:a16="http://schemas.microsoft.com/office/drawing/2014/main" id="{E92255DD-F6CE-7645-9C27-D7D1AC48C6F0}"/>
+                <a16:creationId xmlns:a16="http://schemas.microsoft.com/office/drawing/2014/main" id="{D660867C-6FC6-55DC-6DFD-D1122905D9CA}"/>
+              </a:ext>
+            </a:extLst>
+          </p:cNvPr>
+          <p:cNvSpPr>
+            <a:spLocks noGrp="1"/>
+          </p:cNvSpPr>
+          <p:nvPr>
+            <p:ph type="title"/>
+          </p:nvPr>
+        </p:nvSpPr>
+        <p:spPr/>
+        <p:txBody>
+          <a:bodyPr/>
+          <a:lstStyle/>
+          <a:p>
+            <a:r>
+              <a:rPr lang="zh-TW" altLang="en-US" dirty="0"/>
+              <a:t>上課教材測試</a:t>
+            </a:r>
+            <a:endParaRPr lang="en-US" dirty="0"/>
+          </a:p>
+        </p:txBody>
+      </p:sp>
+      <p:sp>
+        <p:nvSpPr>
+          <p:cNvPr id="3" name="文字版面配置區 2">
+            <a:extLst>
+              <a:ext uri="{FF2B5EF4-FFF2-40B4-BE49-F238E27FC236}">
+                <a16:creationId xmlns:a16="http://schemas.microsoft.com/office/drawing/2014/main" id="{1BC5B3A2-19C5-873D-5D08-D17B67EA0601}"/>
               </a:ext>
             </a:extLst>
           </p:cNvPr>
@@ -10386,68 +10647,15 @@
           <a:p>
             <a:r>
               <a:rPr lang="en-US" dirty="0"/>
-              <a:t>Kaggle</a:t>
-            </a:r>
-            <a:r>
-              <a:rPr lang="zh-TW" altLang="en-US" dirty="0"/>
-              <a:t>上的題目如，</a:t>
-            </a:r>
-            <a:r>
-              <a:rPr lang="en-US" altLang="zh-TW" dirty="0"/>
-              <a:t>Inventory Management, Demand Forecasting</a:t>
-            </a:r>
-          </a:p>
-          <a:p>
-            <a:endParaRPr lang="en-US" dirty="0"/>
-          </a:p>
-          <a:p>
-            <a:r>
-              <a:rPr lang="zh-TW" altLang="en-US" dirty="0"/>
-              <a:t>可把此題目當成數值型預測的題目，在選擇模型上建議使用回歸或者是序列型模型</a:t>
-            </a:r>
-            <a:endParaRPr lang="en-US" altLang="zh-TW" dirty="0"/>
-          </a:p>
-          <a:p>
-            <a:endParaRPr lang="en-US" dirty="0"/>
-          </a:p>
-          <a:p>
-            <a:endParaRPr lang="en-US" dirty="0"/>
-          </a:p>
-        </p:txBody>
-      </p:sp>
-      <p:sp>
-        <p:nvSpPr>
-          <p:cNvPr id="3" name="標題 2">
-            <a:extLst>
-              <a:ext uri="{FF2B5EF4-FFF2-40B4-BE49-F238E27FC236}">
-                <a16:creationId xmlns:a16="http://schemas.microsoft.com/office/drawing/2014/main" id="{8905B2E9-F1BC-3C45-5772-870ECF7EC7C7}"/>
-              </a:ext>
-            </a:extLst>
-          </p:cNvPr>
-          <p:cNvSpPr>
-            <a:spLocks noGrp="1"/>
-          </p:cNvSpPr>
-          <p:nvPr>
-            <p:ph type="title"/>
-          </p:nvPr>
-        </p:nvSpPr>
-        <p:spPr/>
-        <p:txBody>
-          <a:bodyPr/>
-          <a:lstStyle/>
-          <a:p>
-            <a:r>
-              <a:rPr lang="zh-TW" altLang="en-US" dirty="0"/>
-              <a:t>建議可找尋的方向</a:t>
-            </a:r>
-            <a:endParaRPr lang="en-US" dirty="0"/>
+              <a:t>Material Access</a:t>
+            </a:r>
           </a:p>
         </p:txBody>
       </p:sp>
     </p:spTree>
     <p:extLst>
       <p:ext uri="{BB962C8B-B14F-4D97-AF65-F5344CB8AC3E}">
-        <p14:creationId xmlns:p14="http://schemas.microsoft.com/office/powerpoint/2010/main" val="1807328431"/>
+        <p14:creationId xmlns:p14="http://schemas.microsoft.com/office/powerpoint/2010/main" val="2899605015"/>
       </p:ext>
     </p:extLst>
   </p:cSld>
@@ -10476,7 +10684,47 @@
       </p:grpSpPr>
       <p:sp>
         <p:nvSpPr>
-          <p:cNvPr id="2" name="標題 1"/>
+          <p:cNvPr id="2" name="文字版面配置區 1">
+            <a:extLst>
+              <a:ext uri="{FF2B5EF4-FFF2-40B4-BE49-F238E27FC236}">
+                <a16:creationId xmlns:a16="http://schemas.microsoft.com/office/drawing/2014/main" id="{D8D1F4A8-3F68-A2F3-D45F-2DD740F82A6C}"/>
+              </a:ext>
+            </a:extLst>
+          </p:cNvPr>
+          <p:cNvSpPr>
+            <a:spLocks noGrp="1"/>
+          </p:cNvSpPr>
+          <p:nvPr>
+            <p:ph type="body" idx="1"/>
+          </p:nvPr>
+        </p:nvSpPr>
+        <p:spPr>
+          <a:xfrm>
+            <a:off x="838200" y="1825625"/>
+            <a:ext cx="9588843" cy="617448"/>
+          </a:xfrm>
+        </p:spPr>
+        <p:txBody>
+          <a:bodyPr/>
+          <a:lstStyle/>
+          <a:p>
+            <a:r>
+              <a:rPr lang="zh-TW" altLang="en-US" dirty="0"/>
+              <a:t>至連結處下載檔案</a:t>
+            </a:r>
+            <a:endParaRPr lang="en-US" dirty="0"/>
+          </a:p>
+        </p:txBody>
+      </p:sp>
+      <p:sp>
+        <p:nvSpPr>
+          <p:cNvPr id="3" name="標題 2">
+            <a:extLst>
+              <a:ext uri="{FF2B5EF4-FFF2-40B4-BE49-F238E27FC236}">
+                <a16:creationId xmlns:a16="http://schemas.microsoft.com/office/drawing/2014/main" id="{B7FE29A1-7235-E66B-577D-C7B0ADAF8094}"/>
+              </a:ext>
+            </a:extLst>
+          </p:cNvPr>
           <p:cNvSpPr>
             <a:spLocks noGrp="1"/>
           </p:cNvSpPr>
@@ -10484,29 +10732,433 @@
             <p:ph type="title"/>
           </p:nvPr>
         </p:nvSpPr>
-        <p:spPr>
-          <a:xfrm>
-            <a:off x="831850" y="1184444"/>
-            <a:ext cx="10515600" cy="2852737"/>
-          </a:xfrm>
-        </p:spPr>
+        <p:spPr/>
         <p:txBody>
           <a:bodyPr/>
           <a:lstStyle/>
           <a:p>
+            <a:r>
+              <a:rPr lang="en-US" dirty="0"/>
+              <a:t>Step1.</a:t>
+            </a:r>
+            <a:r>
+              <a:rPr lang="zh-TW" altLang="en-US" dirty="0"/>
+              <a:t>至連結處下載程式</a:t>
+            </a:r>
+            <a:endParaRPr lang="en-US" dirty="0"/>
+          </a:p>
+        </p:txBody>
+      </p:sp>
+      <p:pic>
+        <p:nvPicPr>
+          <p:cNvPr id="6" name="圖片 5">
+            <a:extLst>
+              <a:ext uri="{FF2B5EF4-FFF2-40B4-BE49-F238E27FC236}">
+                <a16:creationId xmlns:a16="http://schemas.microsoft.com/office/drawing/2014/main" id="{A74BCD7D-6BB7-85D9-534C-1B8C91BA3165}"/>
+              </a:ext>
+            </a:extLst>
+          </p:cNvPr>
+          <p:cNvPicPr>
+            <a:picLocks noChangeAspect="1"/>
+          </p:cNvPicPr>
+          <p:nvPr/>
+        </p:nvPicPr>
+        <p:blipFill>
+          <a:blip r:embed="rId2"/>
+          <a:stretch>
+            <a:fillRect/>
+          </a:stretch>
+        </p:blipFill>
+        <p:spPr>
+          <a:xfrm>
+            <a:off x="1072978" y="2443073"/>
+            <a:ext cx="9588843" cy="4210310"/>
+          </a:xfrm>
+          <a:prstGeom prst="rect">
+            <a:avLst/>
+          </a:prstGeom>
+        </p:spPr>
+      </p:pic>
+      <p:sp>
+        <p:nvSpPr>
+          <p:cNvPr id="7" name="矩形 6">
+            <a:extLst>
+              <a:ext uri="{FF2B5EF4-FFF2-40B4-BE49-F238E27FC236}">
+                <a16:creationId xmlns:a16="http://schemas.microsoft.com/office/drawing/2014/main" id="{B9318330-0239-3B42-2209-0E0D422C00F3}"/>
+              </a:ext>
+            </a:extLst>
+          </p:cNvPr>
+          <p:cNvSpPr/>
+          <p:nvPr/>
+        </p:nvSpPr>
+        <p:spPr>
+          <a:xfrm>
+            <a:off x="9922476" y="2916195"/>
+            <a:ext cx="739345" cy="333632"/>
+          </a:xfrm>
+          <a:prstGeom prst="rect">
+            <a:avLst/>
+          </a:prstGeom>
+          <a:noFill/>
+          <a:ln>
+            <a:solidFill>
+              <a:srgbClr val="FF0000"/>
+            </a:solidFill>
+          </a:ln>
+        </p:spPr>
+        <p:style>
+          <a:lnRef idx="2">
+            <a:schemeClr val="accent1">
+              <a:shade val="50000"/>
+            </a:schemeClr>
+          </a:lnRef>
+          <a:fillRef idx="1">
+            <a:schemeClr val="accent1"/>
+          </a:fillRef>
+          <a:effectRef idx="0">
+            <a:schemeClr val="accent1"/>
+          </a:effectRef>
+          <a:fontRef idx="minor">
+            <a:schemeClr val="lt1"/>
+          </a:fontRef>
+        </p:style>
+        <p:txBody>
+          <a:bodyPr rtlCol="0" anchor="ctr"/>
+          <a:lstStyle/>
+          <a:p>
             <a:pPr algn="ctr"/>
-            <a:r>
-              <a:rPr kumimoji="1" lang="en-US" altLang="zh-TW" dirty="0"/>
-              <a:t>Thanks</a:t>
-            </a:r>
-            <a:endParaRPr kumimoji="1" lang="zh-TW" altLang="en-US" dirty="0"/>
+            <a:endParaRPr lang="en-US"/>
+          </a:p>
+        </p:txBody>
+      </p:sp>
+      <p:sp>
+        <p:nvSpPr>
+          <p:cNvPr id="8" name="矩形 7">
+            <a:extLst>
+              <a:ext uri="{FF2B5EF4-FFF2-40B4-BE49-F238E27FC236}">
+                <a16:creationId xmlns:a16="http://schemas.microsoft.com/office/drawing/2014/main" id="{1FD1CFE9-4C89-5270-B4A4-567D4512284F}"/>
+              </a:ext>
+            </a:extLst>
+          </p:cNvPr>
+          <p:cNvSpPr/>
+          <p:nvPr/>
+        </p:nvSpPr>
+        <p:spPr>
+          <a:xfrm>
+            <a:off x="7652952" y="5070389"/>
+            <a:ext cx="2899718" cy="428367"/>
+          </a:xfrm>
+          <a:prstGeom prst="rect">
+            <a:avLst/>
+          </a:prstGeom>
+          <a:noFill/>
+          <a:ln>
+            <a:solidFill>
+              <a:srgbClr val="FF0000"/>
+            </a:solidFill>
+          </a:ln>
+        </p:spPr>
+        <p:style>
+          <a:lnRef idx="2">
+            <a:schemeClr val="accent1">
+              <a:shade val="50000"/>
+            </a:schemeClr>
+          </a:lnRef>
+          <a:fillRef idx="1">
+            <a:schemeClr val="accent1"/>
+          </a:fillRef>
+          <a:effectRef idx="0">
+            <a:schemeClr val="accent1"/>
+          </a:effectRef>
+          <a:fontRef idx="minor">
+            <a:schemeClr val="lt1"/>
+          </a:fontRef>
+        </p:style>
+        <p:txBody>
+          <a:bodyPr rtlCol="0" anchor="ctr"/>
+          <a:lstStyle/>
+          <a:p>
+            <a:pPr algn="ctr"/>
+            <a:endParaRPr lang="en-US"/>
           </a:p>
         </p:txBody>
       </p:sp>
     </p:spTree>
     <p:extLst>
       <p:ext uri="{BB962C8B-B14F-4D97-AF65-F5344CB8AC3E}">
-        <p14:creationId xmlns:p14="http://schemas.microsoft.com/office/powerpoint/2010/main" val="1219131414"/>
+        <p14:creationId xmlns:p14="http://schemas.microsoft.com/office/powerpoint/2010/main" val="4102303727"/>
+      </p:ext>
+    </p:extLst>
+  </p:cSld>
+  <p:clrMapOvr>
+    <a:masterClrMapping/>
+  </p:clrMapOvr>
+</p:sld>
+</file>
+
+<file path=ppt/slides/slide19.xml><?xml version="1.0" encoding="utf-8"?>
+<p:sld xmlns:a="http://schemas.openxmlformats.org/drawingml/2006/main" xmlns:r="http://schemas.openxmlformats.org/officeDocument/2006/relationships" xmlns:p="http://schemas.openxmlformats.org/presentationml/2006/main">
+  <p:cSld>
+    <p:spTree>
+      <p:nvGrpSpPr>
+        <p:cNvPr id="1" name=""/>
+        <p:cNvGrpSpPr/>
+        <p:nvPr/>
+      </p:nvGrpSpPr>
+      <p:grpSpPr>
+        <a:xfrm>
+          <a:off x="0" y="0"/>
+          <a:ext cx="0" cy="0"/>
+          <a:chOff x="0" y="0"/>
+          <a:chExt cx="0" cy="0"/>
+        </a:xfrm>
+      </p:grpSpPr>
+      <p:sp>
+        <p:nvSpPr>
+          <p:cNvPr id="2" name="文字版面配置區 1">
+            <a:extLst>
+              <a:ext uri="{FF2B5EF4-FFF2-40B4-BE49-F238E27FC236}">
+                <a16:creationId xmlns:a16="http://schemas.microsoft.com/office/drawing/2014/main" id="{7F8425DA-EB78-9E45-5D45-DD1976AD1A92}"/>
+              </a:ext>
+            </a:extLst>
+          </p:cNvPr>
+          <p:cNvSpPr>
+            <a:spLocks noGrp="1"/>
+          </p:cNvSpPr>
+          <p:nvPr>
+            <p:ph type="body" idx="1"/>
+          </p:nvPr>
+        </p:nvSpPr>
+        <p:spPr/>
+        <p:txBody>
+          <a:bodyPr/>
+          <a:lstStyle/>
+          <a:p>
+            <a:r>
+              <a:rPr lang="zh-TW" altLang="en-US" dirty="0"/>
+              <a:t>將</a:t>
+            </a:r>
+            <a:r>
+              <a:rPr lang="en-US" altLang="zh-TW" dirty="0"/>
+              <a:t>python</a:t>
+            </a:r>
+            <a:r>
+              <a:rPr lang="zh-TW" altLang="en-US" dirty="0"/>
+              <a:t>基礎與法</a:t>
+            </a:r>
+            <a:r>
+              <a:rPr lang="en-US" altLang="zh-TW" dirty="0"/>
+              <a:t>.</a:t>
+            </a:r>
+            <a:r>
+              <a:rPr lang="en-US" altLang="zh-TW" dirty="0" err="1"/>
+              <a:t>ipynb</a:t>
+            </a:r>
+            <a:r>
+              <a:rPr lang="zh-TW" altLang="en-US" dirty="0"/>
+              <a:t>檔案丟至雲端</a:t>
+            </a:r>
+            <a:r>
+              <a:rPr lang="en-US" altLang="zh-TW" sz="2400" dirty="0">
+                <a:solidFill>
+                  <a:schemeClr val="tx1"/>
+                </a:solidFill>
+                <a:latin typeface="Microsoft JhengHei" charset="-120"/>
+                <a:ea typeface="Microsoft JhengHei" charset="-120"/>
+                <a:cs typeface="Microsoft JhengHei" charset="-120"/>
+              </a:rPr>
+              <a:t>Colab</a:t>
+            </a:r>
+            <a:r>
+              <a:rPr lang="zh-TW" altLang="en-US" sz="2400" dirty="0">
+                <a:solidFill>
+                  <a:schemeClr val="tx1"/>
+                </a:solidFill>
+                <a:latin typeface="Microsoft JhengHei" charset="-120"/>
+                <a:ea typeface="Microsoft JhengHei" charset="-120"/>
+                <a:cs typeface="Microsoft JhengHei" charset="-120"/>
+              </a:rPr>
+              <a:t> </a:t>
+            </a:r>
+            <a:r>
+              <a:rPr lang="en-US" altLang="zh-TW" sz="2400" dirty="0">
+                <a:solidFill>
+                  <a:schemeClr val="tx1"/>
+                </a:solidFill>
+                <a:latin typeface="Microsoft JhengHei" charset="-120"/>
+                <a:ea typeface="Microsoft JhengHei" charset="-120"/>
+                <a:cs typeface="Microsoft JhengHei" charset="-120"/>
+              </a:rPr>
+              <a:t>Notebooks</a:t>
+            </a:r>
+            <a:r>
+              <a:rPr lang="zh-TW" altLang="en-US" sz="2400" dirty="0">
+                <a:solidFill>
+                  <a:schemeClr val="tx1"/>
+                </a:solidFill>
+                <a:latin typeface="Microsoft JhengHei" charset="-120"/>
+                <a:ea typeface="Microsoft JhengHei" charset="-120"/>
+                <a:cs typeface="Microsoft JhengHei" charset="-120"/>
+              </a:rPr>
+              <a:t>資料夾中</a:t>
+            </a:r>
+            <a:endParaRPr lang="en-US" dirty="0">
+              <a:solidFill>
+                <a:schemeClr val="tx1"/>
+              </a:solidFill>
+            </a:endParaRPr>
+          </a:p>
+        </p:txBody>
+      </p:sp>
+      <p:sp>
+        <p:nvSpPr>
+          <p:cNvPr id="3" name="標題 2">
+            <a:extLst>
+              <a:ext uri="{FF2B5EF4-FFF2-40B4-BE49-F238E27FC236}">
+                <a16:creationId xmlns:a16="http://schemas.microsoft.com/office/drawing/2014/main" id="{7762F6BB-EC01-5F91-0FA7-3EA43EB910A9}"/>
+              </a:ext>
+            </a:extLst>
+          </p:cNvPr>
+          <p:cNvSpPr>
+            <a:spLocks noGrp="1"/>
+          </p:cNvSpPr>
+          <p:nvPr>
+            <p:ph type="title"/>
+          </p:nvPr>
+        </p:nvSpPr>
+        <p:spPr/>
+        <p:txBody>
+          <a:bodyPr/>
+          <a:lstStyle/>
+          <a:p>
+            <a:r>
+              <a:rPr lang="en-US" dirty="0"/>
+              <a:t>Step2.</a:t>
+            </a:r>
+            <a:r>
+              <a:rPr lang="zh-TW" altLang="en-US" dirty="0"/>
+              <a:t>將程式檔丟入雲端空間的資料夾</a:t>
+            </a:r>
+            <a:endParaRPr lang="en-US" dirty="0"/>
+          </a:p>
+        </p:txBody>
+      </p:sp>
+      <p:pic>
+        <p:nvPicPr>
+          <p:cNvPr id="5" name="圖片 4">
+            <a:extLst>
+              <a:ext uri="{FF2B5EF4-FFF2-40B4-BE49-F238E27FC236}">
+                <a16:creationId xmlns:a16="http://schemas.microsoft.com/office/drawing/2014/main" id="{6D2CFA15-7181-B9AE-DE7B-042B76118CD3}"/>
+              </a:ext>
+            </a:extLst>
+          </p:cNvPr>
+          <p:cNvPicPr>
+            <a:picLocks noChangeAspect="1"/>
+          </p:cNvPicPr>
+          <p:nvPr/>
+        </p:nvPicPr>
+        <p:blipFill>
+          <a:blip r:embed="rId2"/>
+          <a:stretch>
+            <a:fillRect/>
+          </a:stretch>
+        </p:blipFill>
+        <p:spPr>
+          <a:xfrm>
+            <a:off x="1381898" y="2524713"/>
+            <a:ext cx="5915851" cy="1476581"/>
+          </a:xfrm>
+          <a:prstGeom prst="rect">
+            <a:avLst/>
+          </a:prstGeom>
+        </p:spPr>
+      </p:pic>
+      <p:sp>
+        <p:nvSpPr>
+          <p:cNvPr id="6" name="矩形 5">
+            <a:extLst>
+              <a:ext uri="{FF2B5EF4-FFF2-40B4-BE49-F238E27FC236}">
+                <a16:creationId xmlns:a16="http://schemas.microsoft.com/office/drawing/2014/main" id="{FB0698B2-9420-4D84-3CF1-CC0579BB7502}"/>
+              </a:ext>
+            </a:extLst>
+          </p:cNvPr>
+          <p:cNvSpPr/>
+          <p:nvPr/>
+        </p:nvSpPr>
+        <p:spPr>
+          <a:xfrm>
+            <a:off x="1381898" y="3534032"/>
+            <a:ext cx="5915851" cy="296563"/>
+          </a:xfrm>
+          <a:prstGeom prst="rect">
+            <a:avLst/>
+          </a:prstGeom>
+          <a:noFill/>
+          <a:ln w="28575">
+            <a:solidFill>
+              <a:srgbClr val="FF0000"/>
+            </a:solidFill>
+          </a:ln>
+        </p:spPr>
+        <p:style>
+          <a:lnRef idx="2">
+            <a:schemeClr val="accent1">
+              <a:shade val="50000"/>
+            </a:schemeClr>
+          </a:lnRef>
+          <a:fillRef idx="1">
+            <a:schemeClr val="accent1"/>
+          </a:fillRef>
+          <a:effectRef idx="0">
+            <a:schemeClr val="accent1"/>
+          </a:effectRef>
+          <a:fontRef idx="minor">
+            <a:schemeClr val="lt1"/>
+          </a:fontRef>
+        </p:style>
+        <p:txBody>
+          <a:bodyPr rtlCol="0" anchor="ctr"/>
+          <a:lstStyle/>
+          <a:p>
+            <a:pPr algn="ctr"/>
+            <a:endParaRPr lang="en-US"/>
+          </a:p>
+        </p:txBody>
+      </p:sp>
+      <p:pic>
+        <p:nvPicPr>
+          <p:cNvPr id="8" name="圖片 7">
+            <a:extLst>
+              <a:ext uri="{FF2B5EF4-FFF2-40B4-BE49-F238E27FC236}">
+                <a16:creationId xmlns:a16="http://schemas.microsoft.com/office/drawing/2014/main" id="{8648BDA9-9534-E9C4-CE56-D170FD225265}"/>
+              </a:ext>
+            </a:extLst>
+          </p:cNvPr>
+          <p:cNvPicPr>
+            <a:picLocks noChangeAspect="1"/>
+          </p:cNvPicPr>
+          <p:nvPr/>
+        </p:nvPicPr>
+        <p:blipFill>
+          <a:blip r:embed="rId3"/>
+          <a:stretch>
+            <a:fillRect/>
+          </a:stretch>
+        </p:blipFill>
+        <p:spPr>
+          <a:xfrm>
+            <a:off x="1468395" y="3996021"/>
+            <a:ext cx="4079788" cy="2670631"/>
+          </a:xfrm>
+          <a:prstGeom prst="rect">
+            <a:avLst/>
+          </a:prstGeom>
+        </p:spPr>
+      </p:pic>
+    </p:spTree>
+    <p:extLst>
+      <p:ext uri="{BB962C8B-B14F-4D97-AF65-F5344CB8AC3E}">
+        <p14:creationId xmlns:p14="http://schemas.microsoft.com/office/powerpoint/2010/main" val="1136071251"/>
       </p:ext>
     </p:extLst>
   </p:cSld>
@@ -10595,6 +11247,249 @@
     <p:extLst>
       <p:ext uri="{BB962C8B-B14F-4D97-AF65-F5344CB8AC3E}">
         <p14:creationId xmlns:p14="http://schemas.microsoft.com/office/powerpoint/2010/main" val="111240276"/>
+      </p:ext>
+    </p:extLst>
+  </p:cSld>
+  <p:clrMapOvr>
+    <a:masterClrMapping/>
+  </p:clrMapOvr>
+</p:sld>
+</file>
+
+<file path=ppt/slides/slide20.xml><?xml version="1.0" encoding="utf-8"?>
+<p:sld xmlns:a="http://schemas.openxmlformats.org/drawingml/2006/main" xmlns:r="http://schemas.openxmlformats.org/officeDocument/2006/relationships" xmlns:p="http://schemas.openxmlformats.org/presentationml/2006/main">
+  <p:cSld>
+    <p:spTree>
+      <p:nvGrpSpPr>
+        <p:cNvPr id="1" name=""/>
+        <p:cNvGrpSpPr/>
+        <p:nvPr/>
+      </p:nvGrpSpPr>
+      <p:grpSpPr>
+        <a:xfrm>
+          <a:off x="0" y="0"/>
+          <a:ext cx="0" cy="0"/>
+          <a:chOff x="0" y="0"/>
+          <a:chExt cx="0" cy="0"/>
+        </a:xfrm>
+      </p:grpSpPr>
+      <p:sp>
+        <p:nvSpPr>
+          <p:cNvPr id="3" name="標題 2">
+            <a:extLst>
+              <a:ext uri="{FF2B5EF4-FFF2-40B4-BE49-F238E27FC236}">
+                <a16:creationId xmlns:a16="http://schemas.microsoft.com/office/drawing/2014/main" id="{1BE9CB8B-4231-0C27-18F2-418EB65A7976}"/>
+              </a:ext>
+            </a:extLst>
+          </p:cNvPr>
+          <p:cNvSpPr>
+            <a:spLocks noGrp="1"/>
+          </p:cNvSpPr>
+          <p:nvPr>
+            <p:ph type="title"/>
+          </p:nvPr>
+        </p:nvSpPr>
+        <p:spPr/>
+        <p:txBody>
+          <a:bodyPr/>
+          <a:lstStyle/>
+          <a:p>
+            <a:r>
+              <a:rPr lang="en-US" dirty="0"/>
+              <a:t>Step3.</a:t>
+            </a:r>
+            <a:r>
+              <a:rPr lang="zh-TW" altLang="en-US" dirty="0"/>
+              <a:t>將其開啟</a:t>
+            </a:r>
+            <a:endParaRPr lang="en-US" dirty="0"/>
+          </a:p>
+        </p:txBody>
+      </p:sp>
+      <p:pic>
+        <p:nvPicPr>
+          <p:cNvPr id="6" name="圖片 5">
+            <a:extLst>
+              <a:ext uri="{FF2B5EF4-FFF2-40B4-BE49-F238E27FC236}">
+                <a16:creationId xmlns:a16="http://schemas.microsoft.com/office/drawing/2014/main" id="{5975A4B5-347E-4EE0-F046-6641C176C9D2}"/>
+              </a:ext>
+            </a:extLst>
+          </p:cNvPr>
+          <p:cNvPicPr>
+            <a:picLocks noChangeAspect="1"/>
+          </p:cNvPicPr>
+          <p:nvPr/>
+        </p:nvPicPr>
+        <p:blipFill>
+          <a:blip r:embed="rId2"/>
+          <a:stretch>
+            <a:fillRect/>
+          </a:stretch>
+        </p:blipFill>
+        <p:spPr>
+          <a:xfrm>
+            <a:off x="1480752" y="1646238"/>
+            <a:ext cx="7165363" cy="5057904"/>
+          </a:xfrm>
+          <a:prstGeom prst="rect">
+            <a:avLst/>
+          </a:prstGeom>
+        </p:spPr>
+      </p:pic>
+    </p:spTree>
+    <p:extLst>
+      <p:ext uri="{BB962C8B-B14F-4D97-AF65-F5344CB8AC3E}">
+        <p14:creationId xmlns:p14="http://schemas.microsoft.com/office/powerpoint/2010/main" val="1017595824"/>
+      </p:ext>
+    </p:extLst>
+  </p:cSld>
+  <p:clrMapOvr>
+    <a:masterClrMapping/>
+  </p:clrMapOvr>
+</p:sld>
+</file>
+
+<file path=ppt/slides/slide21.xml><?xml version="1.0" encoding="utf-8"?>
+<p:sld xmlns:a="http://schemas.openxmlformats.org/drawingml/2006/main" xmlns:r="http://schemas.openxmlformats.org/officeDocument/2006/relationships" xmlns:p="http://schemas.openxmlformats.org/presentationml/2006/main">
+  <p:cSld>
+    <p:spTree>
+      <p:nvGrpSpPr>
+        <p:cNvPr id="1" name=""/>
+        <p:cNvGrpSpPr/>
+        <p:nvPr/>
+      </p:nvGrpSpPr>
+      <p:grpSpPr>
+        <a:xfrm>
+          <a:off x="0" y="0"/>
+          <a:ext cx="0" cy="0"/>
+          <a:chOff x="0" y="0"/>
+          <a:chExt cx="0" cy="0"/>
+        </a:xfrm>
+      </p:grpSpPr>
+      <p:sp>
+        <p:nvSpPr>
+          <p:cNvPr id="2" name="標題 1">
+            <a:extLst>
+              <a:ext uri="{FF2B5EF4-FFF2-40B4-BE49-F238E27FC236}">
+                <a16:creationId xmlns:a16="http://schemas.microsoft.com/office/drawing/2014/main" id="{A192F24B-6C0F-7DBC-D9AF-430BA1A989CD}"/>
+              </a:ext>
+            </a:extLst>
+          </p:cNvPr>
+          <p:cNvSpPr>
+            <a:spLocks noGrp="1"/>
+          </p:cNvSpPr>
+          <p:nvPr>
+            <p:ph type="title"/>
+          </p:nvPr>
+        </p:nvSpPr>
+        <p:spPr/>
+        <p:txBody>
+          <a:bodyPr/>
+          <a:lstStyle/>
+          <a:p>
+            <a:r>
+              <a:rPr lang="zh-TW" altLang="en-US" sz="4800" dirty="0">
+                <a:solidFill>
+                  <a:srgbClr val="1A1A1A"/>
+                </a:solidFill>
+                <a:latin typeface="Arial"/>
+                <a:ea typeface="Arial"/>
+                <a:cs typeface="Arial"/>
+                <a:sym typeface="Arial"/>
+              </a:rPr>
+              <a:t>接著就從這個</a:t>
+            </a:r>
+            <a:r>
+              <a:rPr lang="en-US" altLang="zh-TW" sz="4800" dirty="0">
+                <a:solidFill>
+                  <a:srgbClr val="1A1A1A"/>
+                </a:solidFill>
+                <a:latin typeface="Arial"/>
+                <a:ea typeface="Arial"/>
+                <a:cs typeface="Arial"/>
+                <a:sym typeface="Arial"/>
+              </a:rPr>
+              <a:t>notebook</a:t>
+            </a:r>
+            <a:r>
+              <a:rPr lang="zh-TW" altLang="en-US" sz="4800" dirty="0">
+                <a:solidFill>
+                  <a:srgbClr val="1A1A1A"/>
+                </a:solidFill>
+                <a:latin typeface="Arial"/>
+                <a:ea typeface="Arial"/>
+                <a:cs typeface="Arial"/>
+                <a:sym typeface="Arial"/>
+              </a:rPr>
+              <a:t>開始繼續</a:t>
+            </a:r>
+            <a:endParaRPr lang="en-US" sz="4800" dirty="0"/>
+          </a:p>
+        </p:txBody>
+      </p:sp>
+    </p:spTree>
+    <p:extLst>
+      <p:ext uri="{BB962C8B-B14F-4D97-AF65-F5344CB8AC3E}">
+        <p14:creationId xmlns:p14="http://schemas.microsoft.com/office/powerpoint/2010/main" val="63142557"/>
+      </p:ext>
+    </p:extLst>
+  </p:cSld>
+  <p:clrMapOvr>
+    <a:masterClrMapping/>
+  </p:clrMapOvr>
+</p:sld>
+</file>
+
+<file path=ppt/slides/slide22.xml><?xml version="1.0" encoding="utf-8"?>
+<p:sld xmlns:a="http://schemas.openxmlformats.org/drawingml/2006/main" xmlns:r="http://schemas.openxmlformats.org/officeDocument/2006/relationships" xmlns:p="http://schemas.openxmlformats.org/presentationml/2006/main">
+  <p:cSld>
+    <p:spTree>
+      <p:nvGrpSpPr>
+        <p:cNvPr id="1" name=""/>
+        <p:cNvGrpSpPr/>
+        <p:nvPr/>
+      </p:nvGrpSpPr>
+      <p:grpSpPr>
+        <a:xfrm>
+          <a:off x="0" y="0"/>
+          <a:ext cx="0" cy="0"/>
+          <a:chOff x="0" y="0"/>
+          <a:chExt cx="0" cy="0"/>
+        </a:xfrm>
+      </p:grpSpPr>
+      <p:sp>
+        <p:nvSpPr>
+          <p:cNvPr id="2" name="標題 1"/>
+          <p:cNvSpPr>
+            <a:spLocks noGrp="1"/>
+          </p:cNvSpPr>
+          <p:nvPr>
+            <p:ph type="title"/>
+          </p:nvPr>
+        </p:nvSpPr>
+        <p:spPr>
+          <a:xfrm>
+            <a:off x="831850" y="1184444"/>
+            <a:ext cx="10515600" cy="2852737"/>
+          </a:xfrm>
+        </p:spPr>
+        <p:txBody>
+          <a:bodyPr/>
+          <a:lstStyle/>
+          <a:p>
+            <a:pPr algn="ctr"/>
+            <a:r>
+              <a:rPr kumimoji="1" lang="en-US" altLang="zh-TW" dirty="0"/>
+              <a:t>Thanks</a:t>
+            </a:r>
+            <a:endParaRPr kumimoji="1" lang="zh-TW" altLang="en-US" dirty="0"/>
+          </a:p>
+        </p:txBody>
+      </p:sp>
+    </p:spTree>
+    <p:extLst>
+      <p:ext uri="{BB962C8B-B14F-4D97-AF65-F5344CB8AC3E}">
+        <p14:creationId xmlns:p14="http://schemas.microsoft.com/office/powerpoint/2010/main" val="1219131414"/>
       </p:ext>
     </p:extLst>
   </p:cSld>
@@ -11163,7 +12058,7 @@
                 <a:latin typeface="Microsoft JhengHei" charset="-120"/>
                 <a:ea typeface="Microsoft JhengHei" charset="-120"/>
               </a:rPr>
-              <a:t> 帳號   ，才可以執行</a:t>
+              <a:t> 帳號，才可以執行</a:t>
             </a:r>
             <a:r>
               <a:rPr lang="en-US" altLang="zh-TW" dirty="0">
@@ -11249,7 +12144,47 @@
                 <a:latin typeface="Microsoft JhengHei" charset="-120"/>
                 <a:ea typeface="Microsoft JhengHei" charset="-120"/>
               </a:rPr>
-              <a:t>Google Chrome</a:t>
+              <a:t>Google Chrome(</a:t>
+            </a:r>
+            <a:r>
+              <a:rPr lang="zh-TW" altLang="en-US" dirty="0">
+                <a:solidFill>
+                  <a:srgbClr val="595959"/>
+                </a:solidFill>
+                <a:latin typeface="Microsoft JhengHei" charset="-120"/>
+                <a:ea typeface="Microsoft JhengHei" charset="-120"/>
+              </a:rPr>
+              <a:t>並更新到最新版</a:t>
+            </a:r>
+            <a:r>
+              <a:rPr lang="zh-TW" altLang="en-US">
+                <a:solidFill>
+                  <a:srgbClr val="595959"/>
+                </a:solidFill>
+                <a:latin typeface="Microsoft JhengHei" charset="-120"/>
+                <a:ea typeface="Microsoft JhengHei" charset="-120"/>
+              </a:rPr>
+              <a:t>且確認空間容量是否</a:t>
+            </a:r>
+            <a:r>
+              <a:rPr lang="zh-TW" altLang="en-US" dirty="0">
+                <a:solidFill>
+                  <a:srgbClr val="595959"/>
+                </a:solidFill>
+                <a:latin typeface="Microsoft JhengHei" charset="-120"/>
+                <a:ea typeface="Microsoft JhengHei" charset="-120"/>
+              </a:rPr>
+              <a:t>還可以上傳檔案</a:t>
+            </a:r>
+            <a:r>
+              <a:rPr lang="en-US" altLang="zh-TW" dirty="0">
+                <a:solidFill>
+                  <a:srgbClr val="595959"/>
+                </a:solidFill>
+                <a:latin typeface="Microsoft JhengHei" charset="-120"/>
+                <a:ea typeface="Microsoft JhengHei" charset="-120"/>
+              </a:rPr>
+              <a:t>)</a:t>
             </a:r>
             <a:r>
               <a:rPr lang="zh-TW" altLang="en-US" dirty="0">
@@ -12768,4 +13703,299 @@
   <a:objectDefaults/>
   <a:extraClrSchemeLst/>
 </a:theme>
+</file>
+
+<file path=ppt/theme/theme3.xml><?xml version="1.0" encoding="utf-8"?>
+<a:theme xmlns:a="http://schemas.openxmlformats.org/drawingml/2006/main" name="Office 佈景主題">
+  <a:themeElements>
+    <a:clrScheme name="Office">
+      <a:dk1>
+        <a:sysClr val="windowText" lastClr="000000"/>
+      </a:dk1>
+      <a:lt1>
+        <a:sysClr val="window" lastClr="FFFFFF"/>
+      </a:lt1>
+      <a:dk2>
+        <a:srgbClr val="44546A"/>
+      </a:dk2>
+      <a:lt2>
+        <a:srgbClr val="E7E6E6"/>
+      </a:lt2>
+      <a:accent1>
+        <a:srgbClr val="4472C4"/>
+      </a:accent1>
+      <a:accent2>
+        <a:srgbClr val="ED7D31"/>
+      </a:accent2>
+      <a:accent3>
+        <a:srgbClr val="A5A5A5"/>
+      </a:accent3>
+      <a:accent4>
+        <a:srgbClr val="FFC000"/>
+      </a:accent4>
+      <a:accent5>
+        <a:srgbClr val="5B9BD5"/>
+      </a:accent5>
+      <a:accent6>
+        <a:srgbClr val="70AD47"/>
+      </a:accent6>
+      <a:hlink>
+        <a:srgbClr val="0563C1"/>
+      </a:hlink>
+      <a:folHlink>
+        <a:srgbClr val="954F72"/>
+      </a:folHlink>
+    </a:clrScheme>
+    <a:fontScheme name="Office">
+      <a:majorFont>
+        <a:latin typeface="Calibri Light" panose="020F0302020204030204"/>
+        <a:ea typeface=""/>
+        <a:cs typeface=""/>
+        <a:font script="Jpan" typeface="游ゴシック Light"/>
+        <a:font script="Hang" typeface="맑은 고딕"/>
+        <a:font script="Hans" typeface="等线 Light"/>
+        <a:font script="Hant" typeface="新細明體"/>
+        <a:font script="Arab" typeface="Times New Roman"/>
+        <a:font script="Hebr" typeface="Times New Roman"/>
+        <a:font script="Thai" typeface="Angsana New"/>
+        <a:font script="Ethi" typeface="Nyala"/>
+        <a:font script="Beng" typeface="Vrinda"/>
+        <a:font script="Gujr" typeface="Shruti"/>
+        <a:font script="Khmr" typeface="MoolBoran"/>
+        <a:font script="Knda" typeface="Tunga"/>
+        <a:font script="Guru" typeface="Raavi"/>
+        <a:font script="Cans" typeface="Euphemia"/>
+        <a:font script="Cher" typeface="Plantagenet Cherokee"/>
+        <a:font script="Yiii" typeface="Microsoft Yi Baiti"/>
+        <a:font script="Tibt" typeface="Microsoft Himalaya"/>
+        <a:font script="Thaa" typeface="MV Boli"/>
+        <a:font script="Deva" typeface="Mangal"/>
+        <a:font script="Telu" typeface="Gautami"/>
+        <a:font script="Taml" typeface="Latha"/>
+        <a:font script="Syrc" typeface="Estrangelo Edessa"/>
+        <a:font script="Orya" typeface="Kalinga"/>
+        <a:font script="Mlym" typeface="Kartika"/>
+        <a:font script="Laoo" typeface="DokChampa"/>
+        <a:font script="Sinh" typeface="Iskoola Pota"/>
+        <a:font script="Mong" typeface="Mongolian Baiti"/>
+        <a:font script="Viet" typeface="Times New Roman"/>
+        <a:font script="Uigh" typeface="Microsoft Uighur"/>
+        <a:font script="Geor" typeface="Sylfaen"/>
+        <a:font script="Armn" typeface="Arial"/>
+        <a:font script="Bugi" typeface="Leelawadee UI"/>
+        <a:font script="Bopo" typeface="Microsoft JhengHei"/>
+        <a:font script="Java" typeface="Javanese Text"/>
+        <a:font script="Lisu" typeface="Segoe UI"/>
+        <a:font script="Mymr" typeface="Myanmar Text"/>
+        <a:font script="Nkoo" typeface="Ebrima"/>
+        <a:font script="Olck" typeface="Nirmala UI"/>
+        <a:font script="Osma" typeface="Ebrima"/>
+        <a:font script="Phag" typeface="Phagspa"/>
+        <a:font script="Syrn" typeface="Estrangelo Edessa"/>
+        <a:font script="Syrj" typeface="Estrangelo Edessa"/>
+        <a:font script="Syre" typeface="Estrangelo Edessa"/>
+        <a:font script="Sora" typeface="Nirmala UI"/>
+        <a:font script="Tale" typeface="Microsoft Tai Le"/>
+        <a:font script="Talu" typeface="Microsoft New Tai Lue"/>
+        <a:font script="Tfng" typeface="Ebrima"/>
+      </a:majorFont>
+      <a:minorFont>
+        <a:latin typeface="Calibri" panose="020F0502020204030204"/>
+        <a:ea typeface=""/>
+        <a:cs typeface=""/>
+        <a:font script="Jpan" typeface="游ゴシック"/>
+        <a:font script="Hang" typeface="맑은 고딕"/>
+        <a:font script="Hans" typeface="等线"/>
+        <a:font script="Hant" typeface="新細明體"/>
+        <a:font script="Arab" typeface="Arial"/>
+        <a:font script="Hebr" typeface="Arial"/>
+        <a:font script="Thai" typeface="Cordia New"/>
+        <a:font script="Ethi" typeface="Nyala"/>
+        <a:font script="Beng" typeface="Vrinda"/>
+        <a:font script="Gujr" typeface="Shruti"/>
+        <a:font script="Khmr" typeface="DaunPenh"/>
+        <a:font script="Knda" typeface="Tunga"/>
+        <a:font script="Guru" typeface="Raavi"/>
+        <a:font script="Cans" typeface="Euphemia"/>
+        <a:font script="Cher" typeface="Plantagenet Cherokee"/>
+        <a:font script="Yiii" typeface="Microsoft Yi Baiti"/>
+        <a:font script="Tibt" typeface="Microsoft Himalaya"/>
+        <a:font script="Thaa" typeface="MV Boli"/>
+        <a:font script="Deva" typeface="Mangal"/>
+        <a:font script="Telu" typeface="Gautami"/>
+        <a:font script="Taml" typeface="Latha"/>
+        <a:font script="Syrc" typeface="Estrangelo Edessa"/>
+        <a:font script="Orya" typeface="Kalinga"/>
+        <a:font script="Mlym" typeface="Kartika"/>
+        <a:font script="Laoo" typeface="DokChampa"/>
+        <a:font script="Sinh" typeface="Iskoola Pota"/>
+        <a:font script="Mong" typeface="Mongolian Baiti"/>
+        <a:font script="Viet" typeface="Arial"/>
+        <a:font script="Uigh" typeface="Microsoft Uighur"/>
+        <a:font script="Geor" typeface="Sylfaen"/>
+        <a:font script="Armn" typeface="Arial"/>
+        <a:font script="Bugi" typeface="Leelawadee UI"/>
+        <a:font script="Bopo" typeface="Microsoft JhengHei"/>
+        <a:font script="Java" typeface="Javanese Text"/>
+        <a:font script="Lisu" typeface="Segoe UI"/>
+        <a:font script="Mymr" typeface="Myanmar Text"/>
+        <a:font script="Nkoo" typeface="Ebrima"/>
+        <a:font script="Olck" typeface="Nirmala UI"/>
+        <a:font script="Osma" typeface="Ebrima"/>
+        <a:font script="Phag" typeface="Phagspa"/>
+        <a:font script="Syrn" typeface="Estrangelo Edessa"/>
+        <a:font script="Syrj" typeface="Estrangelo Edessa"/>
+        <a:font script="Syre" typeface="Estrangelo Edessa"/>
+        <a:font script="Sora" typeface="Nirmala UI"/>
+        <a:font script="Tale" typeface="Microsoft Tai Le"/>
+        <a:font script="Talu" typeface="Microsoft New Tai Lue"/>
+        <a:font script="Tfng" typeface="Ebrima"/>
+      </a:minorFont>
+    </a:fontScheme>
+    <a:fmtScheme name="Office">
+      <a:fillStyleLst>
+        <a:solidFill>
+          <a:schemeClr val="phClr"/>
+        </a:solidFill>
+        <a:gradFill rotWithShape="1">
+          <a:gsLst>
+            <a:gs pos="0">
+              <a:schemeClr val="phClr">
+                <a:lumMod val="110000"/>
+                <a:satMod val="105000"/>
+                <a:tint val="67000"/>
+              </a:schemeClr>
+            </a:gs>
+            <a:gs pos="50000">
+              <a:schemeClr val="phClr">
+                <a:lumMod val="105000"/>
+                <a:satMod val="103000"/>
+                <a:tint val="73000"/>
+              </a:schemeClr>
+            </a:gs>
+            <a:gs pos="100000">
+              <a:schemeClr val="phClr">
+                <a:lumMod val="105000"/>
+                <a:satMod val="109000"/>
+                <a:tint val="81000"/>
+              </a:schemeClr>
+            </a:gs>
+          </a:gsLst>
+          <a:lin ang="5400000" scaled="0"/>
+        </a:gradFill>
+        <a:gradFill rotWithShape="1">
+          <a:gsLst>
+            <a:gs pos="0">
+              <a:schemeClr val="phClr">
+                <a:satMod val="103000"/>
+                <a:lumMod val="102000"/>
+                <a:tint val="94000"/>
+              </a:schemeClr>
+            </a:gs>
+            <a:gs pos="50000">
+              <a:schemeClr val="phClr">
+                <a:satMod val="110000"/>
+                <a:lumMod val="100000"/>
+                <a:shade val="100000"/>
+              </a:schemeClr>
+            </a:gs>
+            <a:gs pos="100000">
+              <a:schemeClr val="phClr">
+                <a:lumMod val="99000"/>
+                <a:satMod val="120000"/>
+                <a:shade val="78000"/>
+              </a:schemeClr>
+            </a:gs>
+          </a:gsLst>
+          <a:lin ang="5400000" scaled="0"/>
+        </a:gradFill>
+      </a:fillStyleLst>
+      <a:lnStyleLst>
+        <a:ln w="6350" cap="flat" cmpd="sng" algn="ctr">
+          <a:solidFill>
+            <a:schemeClr val="phClr"/>
+          </a:solidFill>
+          <a:prstDash val="solid"/>
+          <a:miter lim="800000"/>
+        </a:ln>
+        <a:ln w="12700" cap="flat" cmpd="sng" algn="ctr">
+          <a:solidFill>
+            <a:schemeClr val="phClr"/>
+          </a:solidFill>
+          <a:prstDash val="solid"/>
+          <a:miter lim="800000"/>
+        </a:ln>
+        <a:ln w="19050" cap="flat" cmpd="sng" algn="ctr">
+          <a:solidFill>
+            <a:schemeClr val="phClr"/>
+          </a:solidFill>
+          <a:prstDash val="solid"/>
+          <a:miter lim="800000"/>
+        </a:ln>
+      </a:lnStyleLst>
+      <a:effectStyleLst>
+        <a:effectStyle>
+          <a:effectLst/>
+        </a:effectStyle>
+        <a:effectStyle>
+          <a:effectLst/>
+        </a:effectStyle>
+        <a:effectStyle>
+          <a:effectLst>
+            <a:outerShdw blurRad="57150" dist="19050" dir="5400000" algn="ctr" rotWithShape="0">
+              <a:srgbClr val="000000">
+                <a:alpha val="63000"/>
+              </a:srgbClr>
+            </a:outerShdw>
+          </a:effectLst>
+        </a:effectStyle>
+      </a:effectStyleLst>
+      <a:bgFillStyleLst>
+        <a:solidFill>
+          <a:schemeClr val="phClr"/>
+        </a:solidFill>
+        <a:solidFill>
+          <a:schemeClr val="phClr">
+            <a:tint val="95000"/>
+            <a:satMod val="170000"/>
+          </a:schemeClr>
+        </a:solidFill>
+        <a:gradFill rotWithShape="1">
+          <a:gsLst>
+            <a:gs pos="0">
+              <a:schemeClr val="phClr">
+                <a:tint val="93000"/>
+                <a:satMod val="150000"/>
+                <a:shade val="98000"/>
+                <a:lumMod val="102000"/>
+              </a:schemeClr>
+            </a:gs>
+            <a:gs pos="50000">
+              <a:schemeClr val="phClr">
+                <a:tint val="98000"/>
+                <a:satMod val="130000"/>
+                <a:shade val="90000"/>
+                <a:lumMod val="103000"/>
+              </a:schemeClr>
+            </a:gs>
+            <a:gs pos="100000">
+              <a:schemeClr val="phClr">
+                <a:shade val="63000"/>
+                <a:satMod val="120000"/>
+              </a:schemeClr>
+            </a:gs>
+          </a:gsLst>
+          <a:lin ang="5400000" scaled="0"/>
+        </a:gradFill>
+      </a:bgFillStyleLst>
+    </a:fmtScheme>
+  </a:themeElements>
+  <a:objectDefaults/>
+  <a:extraClrSchemeLst/>
+  <a:extLst>
+    <a:ext uri="{05A4C25C-085E-4340-85A3-A5531E510DB2}">
+      <thm15:themeFamily xmlns:thm15="http://schemas.microsoft.com/office/thememl/2012/main" name="Office Theme" id="{62F939B6-93AF-4DB8-9C6B-D6C7DFDC589F}" vid="{4A3C46E8-61CC-4603-A589-7422A47A8E4A}"/>
+    </a:ext>
+  </a:extLst>
+</a:theme>
 </file>